--- a/clases/Cap05_Evaluacion/presentations/PAT05_ConfusionMatrix.pptx
+++ b/clases/Cap05_Evaluacion/presentations/PAT05_ConfusionMatrix.pptx
@@ -234,7 +234,7 @@
           <a:p>
             <a:fld id="{089CB84B-3086-824D-91F5-F571CFDD3E7D}" type="datetimeFigureOut">
               <a:rPr lang="en-US" smtClean="0"/>
-              <a:t>6/6/23</a:t>
+              <a:t>6/5/25</a:t>
             </a:fld>
             <a:endParaRPr lang="en-US"/>
           </a:p>
@@ -942,7 +942,7 @@
           <a:p>
             <a:fld id="{BBACFB44-8788-A749-9C3A-9AA984AD1C1A}" type="datetime1">
               <a:rPr lang="en-AU" smtClean="0"/>
-              <a:t>6/6/2023</a:t>
+              <a:t>5/6/2025</a:t>
             </a:fld>
             <a:endParaRPr lang="en-US"/>
           </a:p>
@@ -1112,7 +1112,7 @@
           <a:p>
             <a:fld id="{802F780F-C6CB-7041-B6E2-51E72636706A}" type="datetime1">
               <a:rPr lang="en-AU" smtClean="0"/>
-              <a:t>6/6/2023</a:t>
+              <a:t>5/6/2025</a:t>
             </a:fld>
             <a:endParaRPr lang="en-US"/>
           </a:p>
@@ -1292,7 +1292,7 @@
           <a:p>
             <a:fld id="{861E8964-5FA7-B743-BE42-A3E6EFC642D5}" type="datetime1">
               <a:rPr lang="en-AU" smtClean="0"/>
-              <a:t>6/6/2023</a:t>
+              <a:t>5/6/2025</a:t>
             </a:fld>
             <a:endParaRPr lang="en-US"/>
           </a:p>
@@ -1462,7 +1462,7 @@
           <a:p>
             <a:fld id="{A5CF7600-5B53-5D4B-9A1C-00C180EA4ACC}" type="datetime1">
               <a:rPr lang="en-AU" smtClean="0"/>
-              <a:t>6/6/2023</a:t>
+              <a:t>5/6/2025</a:t>
             </a:fld>
             <a:endParaRPr lang="en-US"/>
           </a:p>
@@ -1708,7 +1708,7 @@
           <a:p>
             <a:fld id="{FF42827D-66C1-8845-B375-046F25EBA1A4}" type="datetime1">
               <a:rPr lang="en-AU" smtClean="0"/>
-              <a:t>6/6/2023</a:t>
+              <a:t>5/6/2025</a:t>
             </a:fld>
             <a:endParaRPr lang="en-US"/>
           </a:p>
@@ -1996,7 +1996,7 @@
           <a:p>
             <a:fld id="{3F27383E-F0B0-864C-812F-BC6E84BFA2A6}" type="datetime1">
               <a:rPr lang="en-AU" smtClean="0"/>
-              <a:t>6/6/2023</a:t>
+              <a:t>5/6/2025</a:t>
             </a:fld>
             <a:endParaRPr lang="en-US"/>
           </a:p>
@@ -2418,7 +2418,7 @@
           <a:p>
             <a:fld id="{93407324-84E3-C540-9709-EC8DF05107DA}" type="datetime1">
               <a:rPr lang="en-AU" smtClean="0"/>
-              <a:t>6/6/2023</a:t>
+              <a:t>5/6/2025</a:t>
             </a:fld>
             <a:endParaRPr lang="en-US"/>
           </a:p>
@@ -2536,7 +2536,7 @@
           <a:p>
             <a:fld id="{85D2A8C1-D0A5-1B46-B38F-340CFD2E2291}" type="datetime1">
               <a:rPr lang="en-AU" smtClean="0"/>
-              <a:t>6/6/2023</a:t>
+              <a:t>5/6/2025</a:t>
             </a:fld>
             <a:endParaRPr lang="en-US"/>
           </a:p>
@@ -2631,7 +2631,7 @@
           <a:p>
             <a:fld id="{F9796F46-70AC-6544-A2FE-763317A50DAB}" type="datetime1">
               <a:rPr lang="en-AU" smtClean="0"/>
-              <a:t>6/6/2023</a:t>
+              <a:t>5/6/2025</a:t>
             </a:fld>
             <a:endParaRPr lang="en-US"/>
           </a:p>
@@ -2908,7 +2908,7 @@
           <a:p>
             <a:fld id="{7ED028BD-4543-B247-8A97-C3039CA92649}" type="datetime1">
               <a:rPr lang="en-AU" smtClean="0"/>
-              <a:t>6/6/2023</a:t>
+              <a:t>5/6/2025</a:t>
             </a:fld>
             <a:endParaRPr lang="en-US"/>
           </a:p>
@@ -3161,7 +3161,7 @@
           <a:p>
             <a:fld id="{DD60C97B-51D3-2849-AFA0-E2276A30B22F}" type="datetime1">
               <a:rPr lang="en-AU" smtClean="0"/>
-              <a:t>6/6/2023</a:t>
+              <a:t>5/6/2025</a:t>
             </a:fld>
             <a:endParaRPr lang="en-US"/>
           </a:p>
@@ -3372,7 +3372,7 @@
           <a:p>
             <a:fld id="{A7890746-FE7D-114C-97D5-F9F4EAF1830F}" type="datetime1">
               <a:rPr lang="en-AU" smtClean="0"/>
-              <a:t>6/6/2023</a:t>
+              <a:t>5/6/2025</a:t>
             </a:fld>
             <a:endParaRPr lang="en-US"/>
           </a:p>
@@ -12186,6 +12186,62 @@
           </a:p>
         </p:txBody>
       </p:sp>
+      <p:sp>
+        <p:nvSpPr>
+          <p:cNvPr id="17" name="TextBox 16">
+            <a:extLst>
+              <a:ext uri="{FF2B5EF4-FFF2-40B4-BE49-F238E27FC236}">
+                <a16:creationId xmlns:a16="http://schemas.microsoft.com/office/drawing/2014/main" id="{74C6EB95-1CDC-BB06-6F3B-1D9FB705B19B}"/>
+              </a:ext>
+            </a:extLst>
+          </p:cNvPr>
+          <p:cNvSpPr txBox="1"/>
+          <p:nvPr/>
+        </p:nvSpPr>
+        <p:spPr>
+          <a:xfrm>
+            <a:off x="111646" y="2866029"/>
+            <a:ext cx="2268185" cy="1754326"/>
+          </a:xfrm>
+          <a:prstGeom prst="rect">
+            <a:avLst/>
+          </a:prstGeom>
+          <a:noFill/>
+        </p:spPr>
+        <p:txBody>
+          <a:bodyPr wrap="none" rtlCol="0">
+            <a:spAutoFit/>
+          </a:bodyPr>
+          <a:lstStyle/>
+          <a:p>
+            <a:endParaRPr lang="en-US" dirty="0"/>
+          </a:p>
+          <a:p>
+            <a:endParaRPr lang="en-US" dirty="0"/>
+          </a:p>
+          <a:p>
+            <a:endParaRPr lang="en-US" dirty="0"/>
+          </a:p>
+          <a:p>
+            <a:r>
+              <a:rPr lang="en-US" dirty="0"/>
+              <a:t>Observe that:</a:t>
+            </a:r>
+          </a:p>
+          <a:p>
+            <a:r>
+              <a:rPr lang="en-US" dirty="0"/>
+              <a:t>TP+FN = Ground Truth</a:t>
+            </a:r>
+          </a:p>
+          <a:p>
+            <a:r>
+              <a:rPr lang="en-US" dirty="0"/>
+              <a:t>TP+FP = Detection</a:t>
+            </a:r>
+          </a:p>
+        </p:txBody>
+      </p:sp>
     </p:spTree>
     <p:extLst>
       <p:ext uri="{BB962C8B-B14F-4D97-AF65-F5344CB8AC3E}">
@@ -12196,6 +12252,130 @@
   <p:clrMapOvr>
     <a:masterClrMapping/>
   </p:clrMapOvr>
+  <p:timing>
+    <p:tnLst>
+      <p:par>
+        <p:cTn id="1" dur="indefinite" restart="never" nodeType="tmRoot">
+          <p:childTnLst>
+            <p:seq concurrent="1" nextAc="seek">
+              <p:cTn id="2" dur="indefinite" nodeType="mainSeq">
+                <p:childTnLst>
+                  <p:par>
+                    <p:cTn id="3" fill="hold">
+                      <p:stCondLst>
+                        <p:cond delay="indefinite"/>
+                      </p:stCondLst>
+                      <p:childTnLst>
+                        <p:par>
+                          <p:cTn id="4" fill="hold">
+                            <p:stCondLst>
+                              <p:cond delay="0"/>
+                            </p:stCondLst>
+                            <p:childTnLst>
+                              <p:par>
+                                <p:cTn id="5" presetID="2" presetClass="entr" presetSubtype="4" fill="hold" grpId="0" nodeType="clickEffect">
+                                  <p:stCondLst>
+                                    <p:cond delay="0"/>
+                                  </p:stCondLst>
+                                  <p:childTnLst>
+                                    <p:set>
+                                      <p:cBhvr>
+                                        <p:cTn id="6" dur="1" fill="hold">
+                                          <p:stCondLst>
+                                            <p:cond delay="0"/>
+                                          </p:stCondLst>
+                                        </p:cTn>
+                                        <p:tgtEl>
+                                          <p:spTgt spid="17"/>
+                                        </p:tgtEl>
+                                        <p:attrNameLst>
+                                          <p:attrName>style.visibility</p:attrName>
+                                        </p:attrNameLst>
+                                      </p:cBhvr>
+                                      <p:to>
+                                        <p:strVal val="visible"/>
+                                      </p:to>
+                                    </p:set>
+                                    <p:anim calcmode="lin" valueType="num">
+                                      <p:cBhvr additive="base">
+                                        <p:cTn id="7" dur="500" fill="hold"/>
+                                        <p:tgtEl>
+                                          <p:spTgt spid="17"/>
+                                        </p:tgtEl>
+                                        <p:attrNameLst>
+                                          <p:attrName>ppt_x</p:attrName>
+                                        </p:attrNameLst>
+                                      </p:cBhvr>
+                                      <p:tavLst>
+                                        <p:tav tm="0">
+                                          <p:val>
+                                            <p:strVal val="#ppt_x"/>
+                                          </p:val>
+                                        </p:tav>
+                                        <p:tav tm="100000">
+                                          <p:val>
+                                            <p:strVal val="#ppt_x"/>
+                                          </p:val>
+                                        </p:tav>
+                                      </p:tavLst>
+                                    </p:anim>
+                                    <p:anim calcmode="lin" valueType="num">
+                                      <p:cBhvr additive="base">
+                                        <p:cTn id="8" dur="500" fill="hold"/>
+                                        <p:tgtEl>
+                                          <p:spTgt spid="17"/>
+                                        </p:tgtEl>
+                                        <p:attrNameLst>
+                                          <p:attrName>ppt_y</p:attrName>
+                                        </p:attrNameLst>
+                                      </p:cBhvr>
+                                      <p:tavLst>
+                                        <p:tav tm="0">
+                                          <p:val>
+                                            <p:strVal val="1+#ppt_h/2"/>
+                                          </p:val>
+                                        </p:tav>
+                                        <p:tav tm="100000">
+                                          <p:val>
+                                            <p:strVal val="#ppt_y"/>
+                                          </p:val>
+                                        </p:tav>
+                                      </p:tavLst>
+                                    </p:anim>
+                                  </p:childTnLst>
+                                </p:cTn>
+                              </p:par>
+                            </p:childTnLst>
+                          </p:cTn>
+                        </p:par>
+                      </p:childTnLst>
+                    </p:cTn>
+                  </p:par>
+                </p:childTnLst>
+              </p:cTn>
+              <p:prevCondLst>
+                <p:cond evt="onPrev" delay="0">
+                  <p:tgtEl>
+                    <p:sldTgt/>
+                  </p:tgtEl>
+                </p:cond>
+              </p:prevCondLst>
+              <p:nextCondLst>
+                <p:cond evt="onNext" delay="0">
+                  <p:tgtEl>
+                    <p:sldTgt/>
+                  </p:tgtEl>
+                </p:cond>
+              </p:nextCondLst>
+            </p:seq>
+          </p:childTnLst>
+        </p:cTn>
+      </p:par>
+    </p:tnLst>
+    <p:bldLst>
+      <p:bldP spid="17" grpId="0"/>
+    </p:bldLst>
+  </p:timing>
 </p:sld>
 </file>
 
@@ -12840,8 +13020,8 @@
         </p:nvSpPr>
         <p:spPr>
           <a:xfrm>
-            <a:off x="327546" y="2866029"/>
-            <a:ext cx="1693220" cy="1200329"/>
+            <a:off x="111646" y="2866029"/>
+            <a:ext cx="2268185" cy="1754326"/>
           </a:xfrm>
           <a:prstGeom prst="rect">
             <a:avLst/>
@@ -12873,7 +13053,22 @@
             <a:endParaRPr lang="en-US" dirty="0"/>
           </a:p>
           <a:p>
-            <a:endParaRPr lang="en-US" dirty="0"/>
+            <a:r>
+              <a:rPr lang="en-US" dirty="0"/>
+              <a:t>Observe that:</a:t>
+            </a:r>
+          </a:p>
+          <a:p>
+            <a:r>
+              <a:rPr lang="en-US" dirty="0"/>
+              <a:t>TP+FN = Ground Truth</a:t>
+            </a:r>
+          </a:p>
+          <a:p>
+            <a:r>
+              <a:rPr lang="en-US" dirty="0"/>
+              <a:t>TP+FP = Detection</a:t>
+            </a:r>
           </a:p>
         </p:txBody>
       </p:sp>
